--- a/VAGRANT.pptx
+++ b/VAGRANT.pptx
@@ -14,6 +14,7 @@
     <p:sldId id="258" r:id="rId8"/>
     <p:sldId id="259" r:id="rId9"/>
     <p:sldId id="261" r:id="rId10"/>
+    <p:sldId id="265" r:id="rId11"/>
   </p:sldIdLst>
   <p:sldSz cx="9144000" cy="6858000" type="screen4x3"/>
   <p:notesSz cx="6858000" cy="9144000"/>
@@ -112,6 +113,22 @@
       </a:defRPr>
     </a:lvl9pPr>
   </p:defaultTextStyle>
+  <p:extLst>
+    <p:ext uri="{EFAFB233-063F-42B5-8137-9DF3F51BA10A}">
+      <p15:sldGuideLst xmlns:p15="http://schemas.microsoft.com/office/powerpoint/2012/main">
+        <p15:guide id="1" orient="horz" pos="2160">
+          <p15:clr>
+            <a:srgbClr val="A4A3A4"/>
+          </p15:clr>
+        </p15:guide>
+        <p15:guide id="2" pos="2880">
+          <p15:clr>
+            <a:srgbClr val="A4A3A4"/>
+          </p15:clr>
+        </p15:guide>
+      </p15:sldGuideLst>
+    </p:ext>
+  </p:extLst>
 </p:presentation>
 </file>
 
@@ -3129,6 +3146,100 @@
       </p:par>
     </p:tnLst>
   </p:timing>
+</p:sld>
+</file>
+
+<file path=ppt/slides/slide10.xml><?xml version="1.0" encoding="utf-8"?>
+<p:sld xmlns:a="http://schemas.openxmlformats.org/drawingml/2006/main" xmlns:r="http://schemas.openxmlformats.org/officeDocument/2006/relationships" xmlns:p="http://schemas.openxmlformats.org/presentationml/2006/main">
+  <p:cSld>
+    <p:spTree>
+      <p:nvGrpSpPr>
+        <p:cNvPr id="1" name=""/>
+        <p:cNvGrpSpPr/>
+        <p:nvPr/>
+      </p:nvGrpSpPr>
+      <p:grpSpPr>
+        <a:xfrm>
+          <a:off x="0" y="0"/>
+          <a:ext cx="0" cy="0"/>
+          <a:chOff x="0" y="0"/>
+          <a:chExt cx="0" cy="0"/>
+        </a:xfrm>
+      </p:grpSpPr>
+      <p:pic>
+        <p:nvPicPr>
+          <p:cNvPr id="4" name="Imagem 3"/>
+          <p:cNvPicPr>
+            <a:picLocks noChangeAspect="1"/>
+          </p:cNvPicPr>
+          <p:nvPr/>
+        </p:nvPicPr>
+        <p:blipFill>
+          <a:blip r:embed="rId2">
+            <a:extLst>
+              <a:ext uri="{28A0092B-C50C-407E-A947-70E740481C1C}">
+                <a14:useLocalDpi xmlns:a14="http://schemas.microsoft.com/office/drawing/2010/main" val="0"/>
+              </a:ext>
+            </a:extLst>
+          </a:blip>
+          <a:stretch>
+            <a:fillRect/>
+          </a:stretch>
+        </p:blipFill>
+        <p:spPr>
+          <a:xfrm>
+            <a:off x="0" y="116632"/>
+            <a:ext cx="4876800" cy="4876800"/>
+          </a:xfrm>
+          <a:prstGeom prst="rect">
+            <a:avLst/>
+          </a:prstGeom>
+        </p:spPr>
+      </p:pic>
+      <p:sp>
+        <p:nvSpPr>
+          <p:cNvPr id="5" name="CaixaDeTexto 4"/>
+          <p:cNvSpPr txBox="1"/>
+          <p:nvPr/>
+        </p:nvSpPr>
+        <p:spPr>
+          <a:xfrm>
+            <a:off x="4427984" y="6093296"/>
+            <a:ext cx="1847109" cy="369332"/>
+          </a:xfrm>
+          <a:prstGeom prst="rect">
+            <a:avLst/>
+          </a:prstGeom>
+          <a:noFill/>
+        </p:spPr>
+        <p:txBody>
+          <a:bodyPr wrap="none" rtlCol="0">
+            <a:spAutoFit/>
+          </a:bodyPr>
+          <a:lstStyle/>
+          <a:p>
+            <a:r>
+              <a:rPr lang="pt-BR" dirty="0" err="1" smtClean="0"/>
+              <a:t>Att</a:t>
+            </a:r>
+            <a:r>
+              <a:rPr lang="pt-BR" dirty="0" smtClean="0"/>
+              <a:t>, Sr. Presidente</a:t>
+            </a:r>
+            <a:endParaRPr lang="pt-BR" dirty="0"/>
+          </a:p>
+        </p:txBody>
+      </p:sp>
+    </p:spTree>
+    <p:extLst>
+      <p:ext uri="{BB962C8B-B14F-4D97-AF65-F5344CB8AC3E}">
+        <p14:creationId xmlns:p14="http://schemas.microsoft.com/office/powerpoint/2010/main" val="904333694"/>
+      </p:ext>
+    </p:extLst>
+  </p:cSld>
+  <p:clrMapOvr>
+    <a:masterClrMapping/>
+  </p:clrMapOvr>
 </p:sld>
 </file>
 
